--- a/JoJo Arcade Game.pptx
+++ b/JoJo Arcade Game.pptx
@@ -5,10 +5,10 @@
     <p:sldMasterId id="2147483648" r:id="rId1"/>
   </p:sldMasterIdLst>
   <p:notesMasterIdLst>
-    <p:notesMasterId r:id="rId9"/>
+    <p:notesMasterId r:id="rId10"/>
   </p:notesMasterIdLst>
   <p:handoutMasterIdLst>
-    <p:handoutMasterId r:id="rId10"/>
+    <p:handoutMasterId r:id="rId11"/>
   </p:handoutMasterIdLst>
   <p:sldIdLst>
     <p:sldId id="259" r:id="rId2"/>
@@ -18,6 +18,7 @@
     <p:sldId id="278" r:id="rId6"/>
     <p:sldId id="288" r:id="rId7"/>
     <p:sldId id="289" r:id="rId8"/>
+    <p:sldId id="290" r:id="rId9"/>
   </p:sldIdLst>
   <p:sldSz cx="9144000" cy="6858000" type="screen4x3"/>
   <p:notesSz cx="6858000" cy="9144000"/>
@@ -6622,6 +6623,132 @@
       </p:par>
     </p:tnLst>
   </p:timing>
+</p:sld>
+</file>
+
+<file path=ppt/slides/slide8.xml><?xml version="1.0" encoding="utf-8"?>
+<p:sld xmlns:a="http://schemas.openxmlformats.org/drawingml/2006/main" xmlns:r="http://schemas.openxmlformats.org/officeDocument/2006/relationships" xmlns:p="http://schemas.openxmlformats.org/presentationml/2006/main">
+  <p:cSld>
+    <p:spTree>
+      <p:nvGrpSpPr>
+        <p:cNvPr id="1" name=""/>
+        <p:cNvGrpSpPr/>
+        <p:nvPr/>
+      </p:nvGrpSpPr>
+      <p:grpSpPr>
+        <a:xfrm>
+          <a:off x="0" y="0"/>
+          <a:ext cx="0" cy="0"/>
+          <a:chOff x="0" y="0"/>
+          <a:chExt cx="0" cy="0"/>
+        </a:xfrm>
+      </p:grpSpPr>
+      <p:sp>
+        <p:nvSpPr>
+          <p:cNvPr id="2" name="Заголовок 1"/>
+          <p:cNvSpPr>
+            <a:spLocks noGrp="1"/>
+          </p:cNvSpPr>
+          <p:nvPr>
+            <p:ph type="title"/>
+          </p:nvPr>
+        </p:nvSpPr>
+        <p:spPr>
+          <a:xfrm>
+            <a:off x="4355976" y="1052736"/>
+            <a:ext cx="4343400" cy="1362075"/>
+          </a:xfrm>
+        </p:spPr>
+        <p:txBody>
+          <a:bodyPr/>
+          <a:lstStyle/>
+          <a:p>
+            <a:r>
+              <a:rPr lang="ru-RU" dirty="0" smtClean="0"/>
+              <a:t>Видео с </a:t>
+            </a:r>
+            <a:r>
+              <a:rPr lang="ru-RU" dirty="0" err="1" smtClean="0"/>
+              <a:t>геймплеем</a:t>
+            </a:r>
+            <a:endParaRPr lang="ru-RU" dirty="0"/>
+          </a:p>
+        </p:txBody>
+      </p:sp>
+      <p:sp>
+        <p:nvSpPr>
+          <p:cNvPr id="8" name="Прямоугольник 7"/>
+          <p:cNvSpPr/>
+          <p:nvPr/>
+        </p:nvSpPr>
+        <p:spPr>
+          <a:xfrm>
+            <a:off x="6300192" y="2348880"/>
+            <a:ext cx="2122953" cy="369332"/>
+          </a:xfrm>
+          <a:prstGeom prst="rect">
+            <a:avLst/>
+          </a:prstGeom>
+        </p:spPr>
+        <p:txBody>
+          <a:bodyPr wrap="none">
+            <a:spAutoFit/>
+          </a:bodyPr>
+          <a:lstStyle/>
+          <a:p>
+            <a:r>
+              <a:rPr lang="ru-RU" dirty="0" smtClean="0"/>
+              <a:t>доступно </a:t>
+            </a:r>
+            <a:r>
+              <a:rPr lang="ru-RU" dirty="0"/>
+              <a:t>по ссылке</a:t>
+            </a:r>
+          </a:p>
+        </p:txBody>
+      </p:sp>
+      <p:sp>
+        <p:nvSpPr>
+          <p:cNvPr id="9" name="Прямоугольник 8"/>
+          <p:cNvSpPr/>
+          <p:nvPr/>
+        </p:nvSpPr>
+        <p:spPr>
+          <a:xfrm>
+            <a:off x="4301439" y="2719161"/>
+            <a:ext cx="4115294" cy="369332"/>
+          </a:xfrm>
+          <a:prstGeom prst="rect">
+            <a:avLst/>
+          </a:prstGeom>
+        </p:spPr>
+        <p:txBody>
+          <a:bodyPr wrap="none">
+            <a:spAutoFit/>
+          </a:bodyPr>
+          <a:lstStyle/>
+          <a:p>
+            <a:r>
+              <a:rPr lang="en-US" dirty="0"/>
+              <a:t>https://disk.yandex.ru/i/jnpbwe4Id4wv4A</a:t>
+            </a:r>
+            <a:endParaRPr lang="ru-RU" dirty="0"/>
+          </a:p>
+        </p:txBody>
+      </p:sp>
+    </p:spTree>
+    <p:extLst>
+      <p:ext uri="{BB962C8B-B14F-4D97-AF65-F5344CB8AC3E}">
+        <p14:creationId xmlns:p14="http://schemas.microsoft.com/office/powerpoint/2010/main" val="2210831954"/>
+      </p:ext>
+    </p:extLst>
+  </p:cSld>
+  <p:clrMapOvr>
+    <a:masterClrMapping/>
+  </p:clrMapOvr>
+  <p:transition spd="slow">
+    <p:wipe dir="d"/>
+  </p:transition>
 </p:sld>
 </file>
 
